--- a/Not Code Related/Battleships PowerPoint.pptx
+++ b/Not Code Related/Battleships PowerPoint.pptx
@@ -10361,7 +10361,7 @@
           <a:p>
             <a:fld id="{EA0C0817-A112-4847-8014-A94B7D2A4EA3}" type="datetime1">
               <a:rPr lang="en-US" smtClean="0"/>
-              <a:t>8/25/2020</a:t>
+              <a:t>8/26/2020</a:t>
             </a:fld>
             <a:endParaRPr lang="en-US" dirty="0"/>
           </a:p>
@@ -10563,7 +10563,7 @@
           <a:p>
             <a:fld id="{134F40B7-36AB-4376-BE14-EF7004D79BB9}" type="datetime1">
               <a:rPr lang="en-US" smtClean="0"/>
-              <a:t>8/25/2020</a:t>
+              <a:t>8/26/2020</a:t>
             </a:fld>
             <a:endParaRPr lang="en-US" dirty="0"/>
           </a:p>
@@ -10743,7 +10743,7 @@
           <a:p>
             <a:fld id="{FF87CAB8-DCAE-46A5-AADA-B3FAD11A54E0}" type="datetime1">
               <a:rPr lang="en-US" smtClean="0"/>
-              <a:t>8/25/2020</a:t>
+              <a:t>8/26/2020</a:t>
             </a:fld>
             <a:endParaRPr lang="en-US" dirty="0"/>
           </a:p>
@@ -10913,7 +10913,7 @@
           <a:p>
             <a:fld id="{7332B432-ACDA-4023-A761-2BAB76577B62}" type="datetime1">
               <a:rPr lang="en-US" smtClean="0"/>
-              <a:t>8/25/2020</a:t>
+              <a:t>8/26/2020</a:t>
             </a:fld>
             <a:endParaRPr lang="en-US" dirty="0"/>
           </a:p>
@@ -11512,7 +11512,7 @@
           <a:p>
             <a:fld id="{D9C646AA-F36E-4540-911D-FFFC0A0EF24A}" type="datetime1">
               <a:rPr lang="en-US" smtClean="0"/>
-              <a:t>8/25/2020</a:t>
+              <a:t>8/26/2020</a:t>
             </a:fld>
             <a:endParaRPr lang="en-US" dirty="0"/>
           </a:p>
@@ -11832,7 +11832,7 @@
           <a:p>
             <a:fld id="{69186D26-FA5F-4637-B602-B7C2DC34CFD4}" type="datetime1">
               <a:rPr lang="en-US" smtClean="0"/>
-              <a:t>8/25/2020</a:t>
+              <a:t>8/26/2020</a:t>
             </a:fld>
             <a:endParaRPr lang="en-US" dirty="0"/>
           </a:p>
@@ -12269,7 +12269,7 @@
           <a:p>
             <a:fld id="{8A7F15D8-96D1-4781-BC50-CA8A088B2FE4}" type="datetime1">
               <a:rPr lang="en-US" smtClean="0"/>
-              <a:t>8/25/2020</a:t>
+              <a:t>8/26/2020</a:t>
             </a:fld>
             <a:endParaRPr lang="en-US" dirty="0"/>
           </a:p>
@@ -12387,7 +12387,7 @@
           <a:p>
             <a:fld id="{F9A96C99-B8F8-4528-BD05-0E16E943DC09}" type="datetime1">
               <a:rPr lang="en-US" smtClean="0"/>
-              <a:t>8/25/2020</a:t>
+              <a:t>8/26/2020</a:t>
             </a:fld>
             <a:endParaRPr lang="en-US" dirty="0"/>
           </a:p>
@@ -12482,7 +12482,7 @@
           <a:p>
             <a:fld id="{03636942-C211-4B28-8DBD-C953E00AF71B}" type="datetime1">
               <a:rPr lang="en-US" smtClean="0"/>
-              <a:t>8/25/2020</a:t>
+              <a:t>8/26/2020</a:t>
             </a:fld>
             <a:endParaRPr lang="en-US" dirty="0"/>
           </a:p>
@@ -12899,7 +12899,7 @@
           <a:p>
             <a:fld id="{7E8D12A6-918A-48BD-8CB9-CA713993B0EA}" type="datetime1">
               <a:rPr lang="en-US" smtClean="0"/>
-              <a:t>8/25/2020</a:t>
+              <a:t>8/26/2020</a:t>
             </a:fld>
             <a:endParaRPr lang="en-US" dirty="0"/>
           </a:p>
@@ -13161,7 +13161,7 @@
             <a:fld id="{E778CE86-875F-4587-BCF6-FA054AFC0D53}" type="datetime1">
               <a:rPr lang="en-US" smtClean="0"/>
               <a:pPr/>
-              <a:t>8/25/2020</a:t>
+              <a:t>8/26/2020</a:t>
             </a:fld>
             <a:endParaRPr lang="en-US" dirty="0"/>
           </a:p>
@@ -13677,7 +13677,7 @@
           <a:p>
             <a:fld id="{F6FA2B21-3FCD-4721-B95C-427943F61125}" type="datetime1">
               <a:rPr lang="en-US" smtClean="0"/>
-              <a:t>8/25/2020</a:t>
+              <a:t>8/26/2020</a:t>
             </a:fld>
             <a:endParaRPr lang="en-US" dirty="0"/>
           </a:p>
@@ -15443,35 +15443,6 @@
           </a:p>
         </p:txBody>
       </p:sp>
-      <p:pic>
-        <p:nvPicPr>
-          <p:cNvPr id="5" name="Content Placeholder 4" descr="A screen shot of a clock&#10;&#10;Description automatically generated">
-            <a:extLst>
-              <a:ext uri="{FF2B5EF4-FFF2-40B4-BE49-F238E27FC236}">
-                <a16:creationId xmlns:a16="http://schemas.microsoft.com/office/drawing/2014/main" id="{D69FCE82-AC17-4019-979E-9104A735F87D}"/>
-              </a:ext>
-            </a:extLst>
-          </p:cNvPr>
-          <p:cNvPicPr>
-            <a:picLocks noGrp="1" noChangeAspect="1"/>
-          </p:cNvPicPr>
-          <p:nvPr>
-            <p:ph idx="1"/>
-          </p:nvPr>
-        </p:nvPicPr>
-        <p:blipFill>
-          <a:blip r:embed="rId2"/>
-          <a:stretch>
-            <a:fillRect/>
-          </a:stretch>
-        </p:blipFill>
-        <p:spPr>
-          <a:xfrm>
-            <a:off x="7408474" y="1808244"/>
-            <a:ext cx="2569357" cy="2456004"/>
-          </a:xfrm>
-        </p:spPr>
-      </p:pic>
       <p:sp>
         <p:nvSpPr>
           <p:cNvPr id="6" name="TextBox 5">
@@ -15486,8 +15457,8 @@
         </p:nvSpPr>
         <p:spPr>
           <a:xfrm>
-            <a:off x="1129862" y="1749973"/>
-            <a:ext cx="5349766" cy="2308324"/>
+            <a:off x="1066800" y="1678925"/>
+            <a:ext cx="6153807" cy="2585323"/>
           </a:xfrm>
           <a:prstGeom prst="rect">
             <a:avLst/>
@@ -15502,9 +15473,34 @@
           <a:p>
             <a:r>
               <a:rPr lang="en-US" dirty="0"/>
-              <a:t>I believe my code follows the style guide like a loose religion. All of the global variables are clearly labelled for there purpose and variables with multiple words have an underscore. Although I when originally making the game, I sometimes forgot about the style guide and made some terrible variables. Style guide is a work in progress.</a:t>
+              <a:t>I believe my code follows the style guide like a loose religion. All of the global variables are clearly labelled for there purpose and variables with multiple words have an underscore. Although I when originally making the game, I sometimes forgot about the style guide and made some terrible variables. Style guide is a work in progress for me. Although Angus showed by beautify, which uses standard JavaScript Style guide to make your code comply and look beautiful. </a:t>
             </a:r>
             <a:endParaRPr lang="en-AU" dirty="0"/>
+          </a:p>
+        </p:txBody>
+      </p:sp>
+      <p:sp>
+        <p:nvSpPr>
+          <p:cNvPr id="4" name="Content Placeholder 3">
+            <a:extLst>
+              <a:ext uri="{FF2B5EF4-FFF2-40B4-BE49-F238E27FC236}">
+                <a16:creationId xmlns:a16="http://schemas.microsoft.com/office/drawing/2014/main" id="{1CC37E16-30AF-42EF-A3E9-3DDCD6EA4B79}"/>
+              </a:ext>
+            </a:extLst>
+          </p:cNvPr>
+          <p:cNvSpPr>
+            <a:spLocks noGrp="1"/>
+          </p:cNvSpPr>
+          <p:nvPr>
+            <p:ph idx="1"/>
+          </p:nvPr>
+        </p:nvSpPr>
+        <p:spPr/>
+        <p:txBody>
+          <a:bodyPr/>
+          <a:lstStyle/>
+          <a:p>
+            <a:endParaRPr lang="en-AU"/>
           </a:p>
         </p:txBody>
       </p:sp>
@@ -21400,15 +21396,6 @@
 </file>
 
 <file path=customXml/item2.xml><?xml version="1.0" encoding="utf-8"?>
-<?mso-contentType ?>
-<FormTemplates xmlns="http://schemas.microsoft.com/sharepoint/v3/contenttype/forms">
-  <Display>DocumentLibraryForm</Display>
-  <Edit>DocumentLibraryForm</Edit>
-  <New>DocumentLibraryForm</New>
-</FormTemplates>
-</file>
-
-<file path=customXml/item3.xml><?xml version="1.0" encoding="utf-8"?>
 <ct:contentTypeSchema xmlns:ct="http://schemas.microsoft.com/office/2006/metadata/contentType" xmlns:ma="http://schemas.microsoft.com/office/2006/metadata/properties/metaAttributes" ct:_="" ma:_="" ma:contentTypeName="Document" ma:contentTypeID="0x0101003EE91C67CB7EA14D955703BE85E17C31" ma:contentTypeVersion="13" ma:contentTypeDescription="Create a new document." ma:contentTypeScope="" ma:versionID="a8ea4f8453d2d96b307d271f5f41fa9f">
   <xsd:schema xmlns:xsd="http://www.w3.org/2001/XMLSchema" xmlns:xs="http://www.w3.org/2001/XMLSchema" xmlns:p="http://schemas.microsoft.com/office/2006/metadata/properties" xmlns:ns3="9b42abef-f1be-4972-a460-d38e825cd749" xmlns:ns4="105146b0-a077-4b84-9617-156f82951a11" targetNamespace="http://schemas.microsoft.com/office/2006/metadata/properties" ma:root="true" ma:fieldsID="8b6a24e6b2945157ccc2af7471543d4a" ns3:_="" ns4:_="">
     <xsd:import namespace="9b42abef-f1be-4972-a460-d38e825cd749"/>
@@ -21631,25 +21618,33 @@
 </ct:contentTypeSchema>
 </file>
 
+<file path=customXml/item3.xml><?xml version="1.0" encoding="utf-8"?>
+<?mso-contentType ?>
+<FormTemplates xmlns="http://schemas.microsoft.com/sharepoint/v3/contenttype/forms">
+  <Display>DocumentLibraryForm</Display>
+  <Edit>DocumentLibraryForm</Edit>
+  <New>DocumentLibraryForm</New>
+</FormTemplates>
+</file>
+
 <file path=customXml/itemProps1.xml><?xml version="1.0" encoding="utf-8"?>
 <ds:datastoreItem xmlns:ds="http://schemas.openxmlformats.org/officeDocument/2006/customXml" ds:itemID="{B975FBC4-9D33-46BE-911D-419763BA9AF9}">
   <ds:schemaRefs>
+    <ds:schemaRef ds:uri="http://purl.org/dc/dcmitype/"/>
     <ds:schemaRef ds:uri="http://schemas.microsoft.com/office/2006/metadata/properties"/>
+    <ds:schemaRef ds:uri="http://schemas.microsoft.com/office/2006/documentManagement/types"/>
     <ds:schemaRef ds:uri="http://schemas.microsoft.com/office/infopath/2007/PartnerControls"/>
+    <ds:schemaRef ds:uri="http://purl.org/dc/elements/1.1/"/>
+    <ds:schemaRef ds:uri="http://www.w3.org/XML/1998/namespace"/>
     <ds:schemaRef ds:uri="105146b0-a077-4b84-9617-156f82951a11"/>
+    <ds:schemaRef ds:uri="http://schemas.openxmlformats.org/package/2006/metadata/core-properties"/>
+    <ds:schemaRef ds:uri="9b42abef-f1be-4972-a460-d38e825cd749"/>
+    <ds:schemaRef ds:uri="http://purl.org/dc/terms/"/>
   </ds:schemaRefs>
 </ds:datastoreItem>
 </file>
 
 <file path=customXml/itemProps2.xml><?xml version="1.0" encoding="utf-8"?>
-<ds:datastoreItem xmlns:ds="http://schemas.openxmlformats.org/officeDocument/2006/customXml" ds:itemID="{294F055B-D391-44D3-A87A-BCD07BD5A31C}">
-  <ds:schemaRefs>
-    <ds:schemaRef ds:uri="http://schemas.microsoft.com/sharepoint/v3/contenttype/forms"/>
-  </ds:schemaRefs>
-</ds:datastoreItem>
-</file>
-
-<file path=customXml/itemProps3.xml><?xml version="1.0" encoding="utf-8"?>
 <ds:datastoreItem xmlns:ds="http://schemas.openxmlformats.org/officeDocument/2006/customXml" ds:itemID="{37368B19-7459-45F1-8C35-EF1260BD43B2}">
   <ds:schemaRefs>
     <ds:schemaRef ds:uri="http://schemas.microsoft.com/office/2006/metadata/contentType"/>
@@ -21666,4 +21661,12 @@
     <ds:schemaRef ds:uri="http://schemas.microsoft.com/internal/obd"/>
   </ds:schemaRefs>
 </ds:datastoreItem>
+</file>
+
+<file path=customXml/itemProps3.xml><?xml version="1.0" encoding="utf-8"?>
+<ds:datastoreItem xmlns:ds="http://schemas.openxmlformats.org/officeDocument/2006/customXml" ds:itemID="{294F055B-D391-44D3-A87A-BCD07BD5A31C}">
+  <ds:schemaRefs>
+    <ds:schemaRef ds:uri="http://schemas.microsoft.com/sharepoint/v3/contenttype/forms"/>
+  </ds:schemaRefs>
+</ds:datastoreItem>
 </file>
--- a/Not Code Related/Battleships PowerPoint.pptx
+++ b/Not Code Related/Battleships PowerPoint.pptx
@@ -123,14 +123,6 @@
     </p:ext>
   </p:extLst>
 </p:presentation>
-</file>
-
-<file path=ppt/revisionInfo.xml><?xml version="1.0" encoding="utf-8"?>
-<p1510:revInfo xmlns:a="http://schemas.openxmlformats.org/drawingml/2006/main" xmlns:r="http://schemas.openxmlformats.org/officeDocument/2006/relationships" xmlns:p1510="http://schemas.microsoft.com/office/powerpoint/2015/10/main">
-  <p1510:revLst>
-    <p1510:client id="{47A20754-CF0E-4F95-8AEF-1E0A21097B19}" v="1594" dt="2020-08-25T12:53:46.095"/>
-  </p1510:revLst>
-</p1510:revInfo>
 </file>
 
 <file path=ppt/diagrams/colors1.xml><?xml version="1.0" encoding="utf-8"?>
@@ -15458,7 +15450,7 @@
         <p:spPr>
           <a:xfrm>
             <a:off x="1066800" y="1678925"/>
-            <a:ext cx="6153807" cy="2585323"/>
+            <a:ext cx="6153807" cy="2308324"/>
           </a:xfrm>
           <a:prstGeom prst="rect">
             <a:avLst/>
@@ -15473,34 +15465,13 @@
           <a:p>
             <a:r>
               <a:rPr lang="en-US" dirty="0"/>
-              <a:t>I believe my code follows the style guide like a loose religion. All of the global variables are clearly labelled for there purpose and variables with multiple words have an underscore. Although I when originally making the game, I sometimes forgot about the style guide and made some terrible variables. Style guide is a work in progress for me. Although Angus showed by beautify, which uses standard JavaScript Style guide to make your code comply and look beautiful. </a:t>
+              <a:t>I believe my code follows the style guide like a loose religion. All of the global variables are clearly labelled for there purpose and variables with multiple words have an underscore. Although I when originally making the game, I sometimes forgot about the style guide and made some terrible variables.  Although Angus showed by beautify, which uses standard JavaScript style to make your code comply </a:t>
+            </a:r>
+            <a:r>
+              <a:rPr lang="en-US"/>
+              <a:t>with ease.</a:t>
             </a:r>
             <a:endParaRPr lang="en-AU" dirty="0"/>
-          </a:p>
-        </p:txBody>
-      </p:sp>
-      <p:sp>
-        <p:nvSpPr>
-          <p:cNvPr id="4" name="Content Placeholder 3">
-            <a:extLst>
-              <a:ext uri="{FF2B5EF4-FFF2-40B4-BE49-F238E27FC236}">
-                <a16:creationId xmlns:a16="http://schemas.microsoft.com/office/drawing/2014/main" id="{1CC37E16-30AF-42EF-A3E9-3DDCD6EA4B79}"/>
-              </a:ext>
-            </a:extLst>
-          </p:cNvPr>
-          <p:cNvSpPr>
-            <a:spLocks noGrp="1"/>
-          </p:cNvSpPr>
-          <p:nvPr>
-            <p:ph idx="1"/>
-          </p:nvPr>
-        </p:nvSpPr>
-        <p:spPr/>
-        <p:txBody>
-          <a:bodyPr/>
-          <a:lstStyle/>
-          <a:p>
-            <a:endParaRPr lang="en-AU"/>
           </a:p>
         </p:txBody>
       </p:sp>
@@ -15772,7 +15743,23 @@
             </a:pPr>
             <a:r>
               <a:rPr lang="en-AU" sz="1600" dirty="0"/>
-              <a:t>All of these rules were handled apart for number 3 which is trusted to the user. I believe this project went successfully for me and proved beneficial to my understanding of coding. In order to complete this project I had to learn: ID’s and Tables from HTML,  and JavaScript. My only experience with JavaScript prior to this assessment was the software development with canvas. Throughout the project I learnt how to problem solve and research a new language efficiently and overall gain more knowledge towards to subject. </a:t>
+              <a:t>All of these rules were handled apart for number 3 which is trusted to the user. I believe this project went successfully for me and proved beneficial to my understanding of coding. In order to complete this project I had to learn: ID’s and Tables from HTML,  and JavaScript. My only experience with JavaScript prior to this assessment </a:t>
+            </a:r>
+            <a:r>
+              <a:rPr lang="en-AU" sz="1600" dirty="0" err="1"/>
+              <a:t>wassoftware</a:t>
+            </a:r>
+            <a:r>
+              <a:rPr lang="en-AU" sz="1600" dirty="0"/>
+              <a:t> development with a mere canvas. I had no knowledge on ID’s, Tables and </a:t>
+            </a:r>
+            <a:r>
+              <a:rPr lang="en-AU" sz="1600" dirty="0" err="1"/>
+              <a:t>EventListeners</a:t>
+            </a:r>
+            <a:r>
+              <a:rPr lang="en-AU" sz="1600" dirty="0"/>
+              <a:t>, so this project overall served its purpose in teaching me to research a new language efficiently and gain more knowledge towards to subject. </a:t>
             </a:r>
           </a:p>
           <a:p>
@@ -15881,32 +15868,16 @@
           <a:p>
             <a:r>
               <a:rPr lang="en-US" dirty="0"/>
-              <a:t>1. Enemy Turn:      The enemy turn in its current state is only a random number generator. I pains me to say that I should have managed the first week of my time more efficiently and focused more on the overall idea of the game rather then spending a week learning HTML and IDs. I even left room for the hunt n kill algorithm to be implemented. This taught me a great lesson about time management and </a:t>
+              <a:t>1. Enemy Turn:  The enemy turn in its current state is only a random number generator. It pains me to say that I should have managed the first week of my time more efficiently and focused more on the overall idea of the game rather then spending a week learning HTML and IDs. I even left room for the hunt algorithm to be implemented. This taught me a great lesson about time management and just how important it is. </a:t>
             </a:r>
-            <a:r>
-              <a:rPr lang="en-US" dirty="0" err="1"/>
-              <a:t>hwo</a:t>
-            </a:r>
+          </a:p>
+          <a:p>
+            <a:endParaRPr lang="en-US" dirty="0"/>
+          </a:p>
+          <a:p>
             <a:r>
               <a:rPr lang="en-US" dirty="0"/>
-              <a:t> I need to improve this before adventuring into the computer science jungle. </a:t>
-            </a:r>
-          </a:p>
-          <a:p>
-            <a:endParaRPr lang="en-US" dirty="0"/>
-          </a:p>
-          <a:p>
-            <a:r>
-              <a:rPr lang="en-US" dirty="0"/>
-              <a:t>2. Looping the grid: This only annoys me because the gird takes up SOOOO </a:t>
-            </a:r>
-            <a:r>
-              <a:rPr lang="en-US" dirty="0" err="1"/>
-              <a:t>manby</a:t>
-            </a:r>
-            <a:r>
-              <a:rPr lang="en-US" dirty="0"/>
-              <a:t> lines and learning that you can loop through it pains me.</a:t>
+              <a:t>2. Looping the grid: This only annoys me because the gird takes up SOOOO many lines and learning that you can loop through the table rows and ids sucks..</a:t>
             </a:r>
           </a:p>
           <a:p>
@@ -15915,15 +15886,23 @@
           <a:p>
             <a:r>
               <a:rPr lang="en-AU" dirty="0"/>
-              <a:t>3. Style guide: something that I learnt from this project that will follow me for the rest of my coding career </a:t>
+              <a:t>3. Style guide: Something amazing I learnt in the project is </a:t>
             </a:r>
             <a:r>
               <a:rPr lang="en-AU" dirty="0" err="1"/>
-              <a:t>si</a:t>
+              <a:t>beutify</a:t>
             </a:r>
             <a:r>
               <a:rPr lang="en-AU" dirty="0"/>
-              <a:t> that when coding ALWAYS think of the style guide when creating variables. I looked back after seeing the marking rubric in disgrace.</a:t>
+              <a:t> and </a:t>
+            </a:r>
+            <a:r>
+              <a:rPr lang="en-AU" dirty="0" err="1"/>
+              <a:t>Lints</a:t>
+            </a:r>
+            <a:r>
+              <a:rPr lang="en-AU" dirty="0"/>
+              <a:t> for coding. This made complying with the style guide easy. </a:t>
             </a:r>
             <a:endParaRPr lang="en-US" dirty="0"/>
           </a:p>
@@ -19349,7 +19328,7 @@
           <p:nvPr>
             <p:extLst>
               <p:ext uri="{D42A27DB-BD31-4B8C-83A1-F6EECF244321}">
-                <p14:modId xmlns:p14="http://schemas.microsoft.com/office/powerpoint/2010/main" val="766496957"/>
+                <p14:modId xmlns:p14="http://schemas.microsoft.com/office/powerpoint/2010/main" val="1285744046"/>
               </p:ext>
             </p:extLst>
           </p:nvPr>
@@ -19720,19 +19699,7 @@
                         <a:rPr lang="en-AU" sz="1100" u="none" strike="noStrike" dirty="0">
                           <a:effectLst/>
                         </a:rPr>
-                        <a:t>8. Way </a:t>
-                      </a:r>
-                      <a:r>
-                        <a:rPr lang="en-AU" sz="1100" u="none" strike="noStrike" dirty="0" err="1">
-                          <a:effectLst/>
-                        </a:rPr>
-                        <a:t>fo</a:t>
-                      </a:r>
-                      <a:r>
-                        <a:rPr lang="en-AU" sz="1100" u="none" strike="noStrike" dirty="0">
-                          <a:effectLst/>
-                        </a:rPr>
-                        <a:t> storing the current User grid layout</a:t>
+                        <a:t>8. Way of storing the current User grid layout</a:t>
                       </a:r>
                       <a:endParaRPr lang="en-AU" sz="1100" b="0" i="0" u="none" strike="noStrike" dirty="0">
                         <a:solidFill>

--- a/Not Code Related/Battleships PowerPoint.pptx
+++ b/Not Code Related/Battleships PowerPoint.pptx
@@ -15465,11 +15465,7 @@
           <a:p>
             <a:r>
               <a:rPr lang="en-US" dirty="0"/>
-              <a:t>I believe my code follows the style guide like a loose religion. All of the global variables are clearly labelled for there purpose and variables with multiple words have an underscore. Although I when originally making the game, I sometimes forgot about the style guide and made some terrible variables.  Although Angus showed by beautify, which uses standard JavaScript style to make your code comply </a:t>
-            </a:r>
-            <a:r>
-              <a:rPr lang="en-US"/>
-              <a:t>with ease.</a:t>
+              <a:t>I believe my code follows the style guide like a loose religion. All of the global variables are clearly labelled for there purpose and variables with multiple words have an underscore. Although I when originally making the game, I sometimes forgot about the style guide and made some terrible variables.  Although Angus showed by beautify, which uses standard JavaScript style to make your code comply with ease.</a:t>
             </a:r>
             <a:endParaRPr lang="en-AU" dirty="0"/>
           </a:p>
@@ -16703,11 +16699,11 @@
           <a:p>
             <a:r>
               <a:rPr lang="en-US" sz="1600" b="1" dirty="0"/>
-              <a:t>   Time: </a:t>
+              <a:t>   Time: 4</a:t>
             </a:r>
             <a:r>
               <a:rPr lang="en-US" sz="1600" dirty="0"/>
-              <a:t>3 weeks to work (assuming I don’t procrastinate and stray away from reality) . </a:t>
+              <a:t> weeks to work (assuming I don’t procrastinate and stray away from reality) . </a:t>
             </a:r>
           </a:p>
           <a:p>
